--- a/GUIA/INTRODUCTION.pptx
+++ b/GUIA/INTRODUCTION.pptx
@@ -110,6 +110,11 @@
       </a:defRPr>
     </a:lvl9pPr>
   </p:defaultTextStyle>
+  <p:extLst>
+    <p:ext uri="{EFAFB233-063F-42B5-8137-9DF3F51BA10A}">
+      <p15:sldGuideLst xmlns:p15="http://schemas.microsoft.com/office/powerpoint/2012/main"/>
+    </p:ext>
+  </p:extLst>
 </p:presentation>
 </file>
 
@@ -246,7 +251,7 @@
           <a:p>
             <a:fld id="{9F4AD3E6-9FA9-4BE6-B948-A64803921982}" type="datetimeFigureOut">
               <a:rPr lang="es-BO" smtClean="0"/>
-              <a:t>18/3/2022</a:t>
+              <a:t>21/3/2022</a:t>
             </a:fld>
             <a:endParaRPr lang="es-BO"/>
           </a:p>
@@ -288,7 +293,7 @@
           <a:p>
             <a:fld id="{8A387CDB-6D91-4987-AF55-4D8A1EE1B799}" type="slidenum">
               <a:rPr lang="es-BO" smtClean="0"/>
-              <a:t>‹#›</a:t>
+              <a:t>‹Nº›</a:t>
             </a:fld>
             <a:endParaRPr lang="es-BO"/>
           </a:p>
@@ -533,7 +538,7 @@
           <a:p>
             <a:fld id="{9F4AD3E6-9FA9-4BE6-B948-A64803921982}" type="datetimeFigureOut">
               <a:rPr lang="es-BO" smtClean="0"/>
-              <a:t>18/3/2022</a:t>
+              <a:t>21/3/2022</a:t>
             </a:fld>
             <a:endParaRPr lang="es-BO"/>
           </a:p>
@@ -575,7 +580,7 @@
           <a:p>
             <a:fld id="{8A387CDB-6D91-4987-AF55-4D8A1EE1B799}" type="slidenum">
               <a:rPr lang="es-BO" smtClean="0"/>
-              <a:t>‹#›</a:t>
+              <a:t>‹Nº›</a:t>
             </a:fld>
             <a:endParaRPr lang="es-BO"/>
           </a:p>
@@ -725,7 +730,7 @@
           <a:p>
             <a:fld id="{9F4AD3E6-9FA9-4BE6-B948-A64803921982}" type="datetimeFigureOut">
               <a:rPr lang="es-BO" smtClean="0"/>
-              <a:t>18/3/2022</a:t>
+              <a:t>21/3/2022</a:t>
             </a:fld>
             <a:endParaRPr lang="es-BO"/>
           </a:p>
@@ -767,7 +772,7 @@
           <a:p>
             <a:fld id="{8A387CDB-6D91-4987-AF55-4D8A1EE1B799}" type="slidenum">
               <a:rPr lang="es-BO" smtClean="0"/>
-              <a:t>‹#›</a:t>
+              <a:t>‹Nº›</a:t>
             </a:fld>
             <a:endParaRPr lang="es-BO"/>
           </a:p>
@@ -986,7 +991,7 @@
           <a:p>
             <a:fld id="{9F4AD3E6-9FA9-4BE6-B948-A64803921982}" type="datetimeFigureOut">
               <a:rPr lang="es-BO" smtClean="0"/>
-              <a:t>18/3/2022</a:t>
+              <a:t>21/3/2022</a:t>
             </a:fld>
             <a:endParaRPr lang="es-BO"/>
           </a:p>
@@ -1028,7 +1033,7 @@
           <a:p>
             <a:fld id="{8A387CDB-6D91-4987-AF55-4D8A1EE1B799}" type="slidenum">
               <a:rPr lang="es-BO" smtClean="0"/>
-              <a:t>‹#›</a:t>
+              <a:t>‹Nº›</a:t>
             </a:fld>
             <a:endParaRPr lang="es-BO"/>
           </a:p>
@@ -1410,7 +1415,7 @@
           <a:p>
             <a:fld id="{9F4AD3E6-9FA9-4BE6-B948-A64803921982}" type="datetimeFigureOut">
               <a:rPr lang="es-BO" smtClean="0"/>
-              <a:t>18/3/2022</a:t>
+              <a:t>21/3/2022</a:t>
             </a:fld>
             <a:endParaRPr lang="es-BO"/>
           </a:p>
@@ -1452,7 +1457,7 @@
           <a:p>
             <a:fld id="{8A387CDB-6D91-4987-AF55-4D8A1EE1B799}" type="slidenum">
               <a:rPr lang="es-BO" smtClean="0"/>
-              <a:t>‹#›</a:t>
+              <a:t>‹Nº›</a:t>
             </a:fld>
             <a:endParaRPr lang="es-BO"/>
           </a:p>
@@ -1956,7 +1961,7 @@
           <a:p>
             <a:fld id="{9F4AD3E6-9FA9-4BE6-B948-A64803921982}" type="datetimeFigureOut">
               <a:rPr lang="es-BO" smtClean="0"/>
-              <a:t>18/3/2022</a:t>
+              <a:t>21/3/2022</a:t>
             </a:fld>
             <a:endParaRPr lang="es-BO"/>
           </a:p>
@@ -1998,7 +2003,7 @@
           <a:p>
             <a:fld id="{8A387CDB-6D91-4987-AF55-4D8A1EE1B799}" type="slidenum">
               <a:rPr lang="es-BO" smtClean="0"/>
-              <a:t>‹#›</a:t>
+              <a:t>‹Nº›</a:t>
             </a:fld>
             <a:endParaRPr lang="es-BO"/>
           </a:p>
@@ -2796,7 +2801,7 @@
           <a:p>
             <a:fld id="{9F4AD3E6-9FA9-4BE6-B948-A64803921982}" type="datetimeFigureOut">
               <a:rPr lang="es-BO" smtClean="0"/>
-              <a:t>18/3/2022</a:t>
+              <a:t>21/3/2022</a:t>
             </a:fld>
             <a:endParaRPr lang="es-BO"/>
           </a:p>
@@ -2838,7 +2843,7 @@
           <a:p>
             <a:fld id="{8A387CDB-6D91-4987-AF55-4D8A1EE1B799}" type="slidenum">
               <a:rPr lang="es-BO" smtClean="0"/>
-              <a:t>‹#›</a:t>
+              <a:t>‹Nº›</a:t>
             </a:fld>
             <a:endParaRPr lang="es-BO"/>
           </a:p>
@@ -2966,7 +2971,7 @@
           <a:p>
             <a:fld id="{9F4AD3E6-9FA9-4BE6-B948-A64803921982}" type="datetimeFigureOut">
               <a:rPr lang="es-BO" smtClean="0"/>
-              <a:t>18/3/2022</a:t>
+              <a:t>21/3/2022</a:t>
             </a:fld>
             <a:endParaRPr lang="es-BO"/>
           </a:p>
@@ -3008,7 +3013,7 @@
           <a:p>
             <a:fld id="{8A387CDB-6D91-4987-AF55-4D8A1EE1B799}" type="slidenum">
               <a:rPr lang="es-BO" smtClean="0"/>
-              <a:t>‹#›</a:t>
+              <a:t>‹Nº›</a:t>
             </a:fld>
             <a:endParaRPr lang="es-BO"/>
           </a:p>
@@ -3150,7 +3155,7 @@
           <a:p>
             <a:fld id="{9F4AD3E6-9FA9-4BE6-B948-A64803921982}" type="datetimeFigureOut">
               <a:rPr lang="es-BO" smtClean="0"/>
-              <a:t>18/3/2022</a:t>
+              <a:t>21/3/2022</a:t>
             </a:fld>
             <a:endParaRPr lang="es-BO"/>
           </a:p>
@@ -3192,7 +3197,7 @@
           <a:p>
             <a:fld id="{8A387CDB-6D91-4987-AF55-4D8A1EE1B799}" type="slidenum">
               <a:rPr lang="es-BO" smtClean="0"/>
-              <a:t>‹#›</a:t>
+              <a:t>‹Nº›</a:t>
             </a:fld>
             <a:endParaRPr lang="es-BO"/>
           </a:p>
@@ -3320,7 +3325,7 @@
           <a:p>
             <a:fld id="{9F4AD3E6-9FA9-4BE6-B948-A64803921982}" type="datetimeFigureOut">
               <a:rPr lang="es-BO" smtClean="0"/>
-              <a:t>18/3/2022</a:t>
+              <a:t>21/3/2022</a:t>
             </a:fld>
             <a:endParaRPr lang="es-BO"/>
           </a:p>
@@ -3362,7 +3367,7 @@
           <a:p>
             <a:fld id="{8A387CDB-6D91-4987-AF55-4D8A1EE1B799}" type="slidenum">
               <a:rPr lang="es-BO" smtClean="0"/>
-              <a:t>‹#›</a:t>
+              <a:t>‹Nº›</a:t>
             </a:fld>
             <a:endParaRPr lang="es-BO"/>
           </a:p>
@@ -3568,7 +3573,7 @@
           <a:p>
             <a:fld id="{9F4AD3E6-9FA9-4BE6-B948-A64803921982}" type="datetimeFigureOut">
               <a:rPr lang="es-BO" smtClean="0"/>
-              <a:t>18/3/2022</a:t>
+              <a:t>21/3/2022</a:t>
             </a:fld>
             <a:endParaRPr lang="es-BO"/>
           </a:p>
@@ -3610,7 +3615,7 @@
           <a:p>
             <a:fld id="{8A387CDB-6D91-4987-AF55-4D8A1EE1B799}" type="slidenum">
               <a:rPr lang="es-BO" smtClean="0"/>
-              <a:t>‹#›</a:t>
+              <a:t>‹Nº›</a:t>
             </a:fld>
             <a:endParaRPr lang="es-BO"/>
           </a:p>
@@ -3805,7 +3810,7 @@
           <a:p>
             <a:fld id="{9F4AD3E6-9FA9-4BE6-B948-A64803921982}" type="datetimeFigureOut">
               <a:rPr lang="es-BO" smtClean="0"/>
-              <a:t>18/3/2022</a:t>
+              <a:t>21/3/2022</a:t>
             </a:fld>
             <a:endParaRPr lang="es-BO"/>
           </a:p>
@@ -3847,7 +3852,7 @@
           <a:p>
             <a:fld id="{8A387CDB-6D91-4987-AF55-4D8A1EE1B799}" type="slidenum">
               <a:rPr lang="es-BO" smtClean="0"/>
-              <a:t>‹#›</a:t>
+              <a:t>‹Nº›</a:t>
             </a:fld>
             <a:endParaRPr lang="es-BO"/>
           </a:p>
@@ -4178,7 +4183,7 @@
           <a:p>
             <a:fld id="{9F4AD3E6-9FA9-4BE6-B948-A64803921982}" type="datetimeFigureOut">
               <a:rPr lang="es-BO" smtClean="0"/>
-              <a:t>18/3/2022</a:t>
+              <a:t>21/3/2022</a:t>
             </a:fld>
             <a:endParaRPr lang="es-BO"/>
           </a:p>
@@ -4220,7 +4225,7 @@
           <a:p>
             <a:fld id="{8A387CDB-6D91-4987-AF55-4D8A1EE1B799}" type="slidenum">
               <a:rPr lang="es-BO" smtClean="0"/>
-              <a:t>‹#›</a:t>
+              <a:t>‹Nº›</a:t>
             </a:fld>
             <a:endParaRPr lang="es-BO"/>
           </a:p>
@@ -4296,7 +4301,7 @@
           <a:p>
             <a:fld id="{9F4AD3E6-9FA9-4BE6-B948-A64803921982}" type="datetimeFigureOut">
               <a:rPr lang="es-BO" smtClean="0"/>
-              <a:t>18/3/2022</a:t>
+              <a:t>21/3/2022</a:t>
             </a:fld>
             <a:endParaRPr lang="es-BO"/>
           </a:p>
@@ -4338,7 +4343,7 @@
           <a:p>
             <a:fld id="{8A387CDB-6D91-4987-AF55-4D8A1EE1B799}" type="slidenum">
               <a:rPr lang="es-BO" smtClean="0"/>
-              <a:t>‹#›</a:t>
+              <a:t>‹Nº›</a:t>
             </a:fld>
             <a:endParaRPr lang="es-BO"/>
           </a:p>
@@ -4391,7 +4396,7 @@
           <a:p>
             <a:fld id="{9F4AD3E6-9FA9-4BE6-B948-A64803921982}" type="datetimeFigureOut">
               <a:rPr lang="es-BO" smtClean="0"/>
-              <a:t>18/3/2022</a:t>
+              <a:t>21/3/2022</a:t>
             </a:fld>
             <a:endParaRPr lang="es-BO"/>
           </a:p>
@@ -4433,7 +4438,7 @@
           <a:p>
             <a:fld id="{8A387CDB-6D91-4987-AF55-4D8A1EE1B799}" type="slidenum">
               <a:rPr lang="es-BO" smtClean="0"/>
-              <a:t>‹#›</a:t>
+              <a:t>‹Nº›</a:t>
             </a:fld>
             <a:endParaRPr lang="es-BO"/>
           </a:p>
@@ -4642,7 +4647,7 @@
           <a:p>
             <a:fld id="{9F4AD3E6-9FA9-4BE6-B948-A64803921982}" type="datetimeFigureOut">
               <a:rPr lang="es-BO" smtClean="0"/>
-              <a:t>18/3/2022</a:t>
+              <a:t>21/3/2022</a:t>
             </a:fld>
             <a:endParaRPr lang="es-BO"/>
           </a:p>
@@ -4684,7 +4689,7 @@
           <a:p>
             <a:fld id="{8A387CDB-6D91-4987-AF55-4D8A1EE1B799}" type="slidenum">
               <a:rPr lang="es-BO" smtClean="0"/>
-              <a:t>‹#›</a:t>
+              <a:t>‹Nº›</a:t>
             </a:fld>
             <a:endParaRPr lang="es-BO"/>
           </a:p>
@@ -4929,7 +4934,7 @@
           <a:p>
             <a:fld id="{9F4AD3E6-9FA9-4BE6-B948-A64803921982}" type="datetimeFigureOut">
               <a:rPr lang="es-BO" smtClean="0"/>
-              <a:t>18/3/2022</a:t>
+              <a:t>21/3/2022</a:t>
             </a:fld>
             <a:endParaRPr lang="es-BO"/>
           </a:p>
@@ -4971,7 +4976,7 @@
           <a:p>
             <a:fld id="{8A387CDB-6D91-4987-AF55-4D8A1EE1B799}" type="slidenum">
               <a:rPr lang="es-BO" smtClean="0"/>
-              <a:t>‹#›</a:t>
+              <a:t>‹Nº›</a:t>
             </a:fld>
             <a:endParaRPr lang="es-BO"/>
           </a:p>
@@ -5142,7 +5147,7 @@
           <a:p>
             <a:fld id="{9F4AD3E6-9FA9-4BE6-B948-A64803921982}" type="datetimeFigureOut">
               <a:rPr lang="es-BO" smtClean="0"/>
-              <a:t>18/3/2022</a:t>
+              <a:t>21/3/2022</a:t>
             </a:fld>
             <a:endParaRPr lang="es-BO"/>
           </a:p>
@@ -5220,7 +5225,7 @@
           <a:p>
             <a:fld id="{8A387CDB-6D91-4987-AF55-4D8A1EE1B799}" type="slidenum">
               <a:rPr lang="es-BO" smtClean="0"/>
-              <a:t>‹#›</a:t>
+              <a:t>‹Nº›</a:t>
             </a:fld>
             <a:endParaRPr lang="es-BO"/>
           </a:p>
@@ -6185,7 +6190,7 @@
             </a:pPr>
             <a:r>
               <a:rPr lang="es-BO" dirty="0"/>
-              <a:t>c = a + b					</a:t>
+              <a:t>c = a * b					</a:t>
             </a:r>
             <a:r>
               <a:rPr lang="es-BO" dirty="0" err="1"/>
@@ -6219,7 +6224,15 @@
             </a:pPr>
             <a:r>
               <a:rPr lang="es-BO" dirty="0"/>
-              <a:t>Fin						c = a + b</a:t>
+              <a:t>Fin						c = </a:t>
+            </a:r>
+            <a:r>
+              <a:rPr lang="es-BO"/>
+              <a:t>a * </a:t>
+            </a:r>
+            <a:r>
+              <a:rPr lang="es-BO" dirty="0"/>
+              <a:t>b</a:t>
             </a:r>
           </a:p>
           <a:p>
